--- a/es6分享.pptx
+++ b/es6分享.pptx
@@ -166,7 +166,7 @@
   </p:defaultTextStyle>
   <p:extLst>
     <p:ext uri="{EFAFB233-063F-42B5-8137-9DF3F51BA10A}">
-      <p15:sldGuideLst xmlns="" xmlns:p15="http://schemas.microsoft.com/office/powerpoint/2012/main">
+      <p15:sldGuideLst xmlns:p15="http://schemas.microsoft.com/office/powerpoint/2012/main" xmlns="">
         <p15:guide id="1" orient="horz" pos="4156">
           <p15:clr>
             <a:srgbClr val="A4A3A4"/>
@@ -180,7 +180,7 @@
       </p15:sldGuideLst>
     </p:ext>
     <p:ext uri="{2D200454-40CA-4A62-9FC3-DE9A4176ACB9}">
-      <p15:notesGuideLst xmlns="" xmlns:p15="http://schemas.microsoft.com/office/powerpoint/2012/main">
+      <p15:notesGuideLst xmlns:p15="http://schemas.microsoft.com/office/powerpoint/2012/main" xmlns="">
         <p15:guide id="1" orient="horz" pos="2880">
           <p15:clr>
             <a:srgbClr val="A4A3A4"/>
@@ -460,7 +460,7 @@
     </p:spTree>
     <p:extLst>
       <p:ext uri="{BB962C8B-B14F-4D97-AF65-F5344CB8AC3E}">
-        <p14:creationId xmlns="" xmlns:p14="http://schemas.microsoft.com/office/powerpoint/2010/main" val="2814343765"/>
+        <p14:creationId xmlns:p14="http://schemas.microsoft.com/office/powerpoint/2010/main" xmlns="" val="2814343765"/>
       </p:ext>
     </p:extLst>
   </p:cSld>
@@ -636,7 +636,7 @@
           </a:ln>
           <a:extLst>
             <a:ext uri="{909E8E84-426E-40DD-AFC4-6F175D3DCCD1}">
-              <a14:hiddenFill xmlns="" xmlns:a14="http://schemas.microsoft.com/office/drawing/2010/main">
+              <a14:hiddenFill xmlns:a14="http://schemas.microsoft.com/office/drawing/2010/main" xmlns="">
                 <a:solidFill>
                   <a:srgbClr val="FFFFFF"/>
                 </a:solidFill>
@@ -840,7 +840,7 @@
     </p:spTree>
     <p:extLst>
       <p:ext uri="{BB962C8B-B14F-4D97-AF65-F5344CB8AC3E}">
-        <p14:creationId xmlns="" xmlns:p14="http://schemas.microsoft.com/office/powerpoint/2010/main" val="861224416"/>
+        <p14:creationId xmlns:p14="http://schemas.microsoft.com/office/powerpoint/2010/main" xmlns="" val="861224416"/>
       </p:ext>
     </p:extLst>
   </p:cSld>
@@ -1050,7 +1050,7 @@
     </p:spTree>
     <p:extLst>
       <p:ext uri="{BB962C8B-B14F-4D97-AF65-F5344CB8AC3E}">
-        <p14:creationId xmlns="" xmlns:p14="http://schemas.microsoft.com/office/powerpoint/2010/main" val="3998993944"/>
+        <p14:creationId xmlns:p14="http://schemas.microsoft.com/office/powerpoint/2010/main" xmlns="" val="3998993944"/>
       </p:ext>
     </p:extLst>
   </p:cSld>
@@ -1140,7 +1140,7 @@
     </p:spTree>
     <p:extLst>
       <p:ext uri="{BB962C8B-B14F-4D97-AF65-F5344CB8AC3E}">
-        <p14:creationId xmlns="" xmlns:p14="http://schemas.microsoft.com/office/powerpoint/2010/main" val="3391118890"/>
+        <p14:creationId xmlns:p14="http://schemas.microsoft.com/office/powerpoint/2010/main" xmlns="" val="3391118890"/>
       </p:ext>
     </p:extLst>
   </p:cSld>
@@ -1230,7 +1230,7 @@
     </p:spTree>
     <p:extLst>
       <p:ext uri="{BB962C8B-B14F-4D97-AF65-F5344CB8AC3E}">
-        <p14:creationId xmlns="" xmlns:p14="http://schemas.microsoft.com/office/powerpoint/2010/main" val="3391118890"/>
+        <p14:creationId xmlns:p14="http://schemas.microsoft.com/office/powerpoint/2010/main" xmlns="" val="3391118890"/>
       </p:ext>
     </p:extLst>
   </p:cSld>
@@ -1320,7 +1320,7 @@
     </p:spTree>
     <p:extLst>
       <p:ext uri="{BB962C8B-B14F-4D97-AF65-F5344CB8AC3E}">
-        <p14:creationId xmlns="" xmlns:p14="http://schemas.microsoft.com/office/powerpoint/2010/main" val="3391118890"/>
+        <p14:creationId xmlns:p14="http://schemas.microsoft.com/office/powerpoint/2010/main" xmlns="" val="3391118890"/>
       </p:ext>
     </p:extLst>
   </p:cSld>
@@ -1410,7 +1410,7 @@
     </p:spTree>
     <p:extLst>
       <p:ext uri="{BB962C8B-B14F-4D97-AF65-F5344CB8AC3E}">
-        <p14:creationId xmlns="" xmlns:p14="http://schemas.microsoft.com/office/powerpoint/2010/main" val="3391118890"/>
+        <p14:creationId xmlns:p14="http://schemas.microsoft.com/office/powerpoint/2010/main" xmlns="" val="3391118890"/>
       </p:ext>
     </p:extLst>
   </p:cSld>
@@ -1500,7 +1500,7 @@
     </p:spTree>
     <p:extLst>
       <p:ext uri="{BB962C8B-B14F-4D97-AF65-F5344CB8AC3E}">
-        <p14:creationId xmlns="" xmlns:p14="http://schemas.microsoft.com/office/powerpoint/2010/main" val="3391118890"/>
+        <p14:creationId xmlns:p14="http://schemas.microsoft.com/office/powerpoint/2010/main" xmlns="" val="3391118890"/>
       </p:ext>
     </p:extLst>
   </p:cSld>
@@ -1590,7 +1590,7 @@
     </p:spTree>
     <p:extLst>
       <p:ext uri="{BB962C8B-B14F-4D97-AF65-F5344CB8AC3E}">
-        <p14:creationId xmlns="" xmlns:p14="http://schemas.microsoft.com/office/powerpoint/2010/main" val="3391118890"/>
+        <p14:creationId xmlns:p14="http://schemas.microsoft.com/office/powerpoint/2010/main" xmlns="" val="3391118890"/>
       </p:ext>
     </p:extLst>
   </p:cSld>
@@ -1680,7 +1680,7 @@
     </p:spTree>
     <p:extLst>
       <p:ext uri="{BB962C8B-B14F-4D97-AF65-F5344CB8AC3E}">
-        <p14:creationId xmlns="" xmlns:p14="http://schemas.microsoft.com/office/powerpoint/2010/main" val="3391118890"/>
+        <p14:creationId xmlns:p14="http://schemas.microsoft.com/office/powerpoint/2010/main" xmlns="" val="3391118890"/>
       </p:ext>
     </p:extLst>
   </p:cSld>
@@ -1770,7 +1770,7 @@
     </p:spTree>
     <p:extLst>
       <p:ext uri="{BB962C8B-B14F-4D97-AF65-F5344CB8AC3E}">
-        <p14:creationId xmlns="" xmlns:p14="http://schemas.microsoft.com/office/powerpoint/2010/main" val="3391118890"/>
+        <p14:creationId xmlns:p14="http://schemas.microsoft.com/office/powerpoint/2010/main" xmlns="" val="3391118890"/>
       </p:ext>
     </p:extLst>
   </p:cSld>
@@ -1860,7 +1860,7 @@
     </p:spTree>
     <p:extLst>
       <p:ext uri="{BB962C8B-B14F-4D97-AF65-F5344CB8AC3E}">
-        <p14:creationId xmlns="" xmlns:p14="http://schemas.microsoft.com/office/powerpoint/2010/main" val="3391118890"/>
+        <p14:creationId xmlns:p14="http://schemas.microsoft.com/office/powerpoint/2010/main" xmlns="" val="3391118890"/>
       </p:ext>
     </p:extLst>
   </p:cSld>
@@ -1950,7 +1950,7 @@
     </p:spTree>
     <p:extLst>
       <p:ext uri="{BB962C8B-B14F-4D97-AF65-F5344CB8AC3E}">
-        <p14:creationId xmlns="" xmlns:p14="http://schemas.microsoft.com/office/powerpoint/2010/main" val="3391118890"/>
+        <p14:creationId xmlns:p14="http://schemas.microsoft.com/office/powerpoint/2010/main" xmlns="" val="3391118890"/>
       </p:ext>
     </p:extLst>
   </p:cSld>
@@ -2040,7 +2040,7 @@
     </p:spTree>
     <p:extLst>
       <p:ext uri="{BB962C8B-B14F-4D97-AF65-F5344CB8AC3E}">
-        <p14:creationId xmlns="" xmlns:p14="http://schemas.microsoft.com/office/powerpoint/2010/main" val="3391118890"/>
+        <p14:creationId xmlns:p14="http://schemas.microsoft.com/office/powerpoint/2010/main" xmlns="" val="3391118890"/>
       </p:ext>
     </p:extLst>
   </p:cSld>
@@ -2130,7 +2130,7 @@
     </p:spTree>
     <p:extLst>
       <p:ext uri="{BB962C8B-B14F-4D97-AF65-F5344CB8AC3E}">
-        <p14:creationId xmlns="" xmlns:p14="http://schemas.microsoft.com/office/powerpoint/2010/main" val="3391118890"/>
+        <p14:creationId xmlns:p14="http://schemas.microsoft.com/office/powerpoint/2010/main" xmlns="" val="3391118890"/>
       </p:ext>
     </p:extLst>
   </p:cSld>
@@ -2220,7 +2220,7 @@
     </p:spTree>
     <p:extLst>
       <p:ext uri="{BB962C8B-B14F-4D97-AF65-F5344CB8AC3E}">
-        <p14:creationId xmlns="" xmlns:p14="http://schemas.microsoft.com/office/powerpoint/2010/main" val="3391118890"/>
+        <p14:creationId xmlns:p14="http://schemas.microsoft.com/office/powerpoint/2010/main" xmlns="" val="3391118890"/>
       </p:ext>
     </p:extLst>
   </p:cSld>
@@ -2310,7 +2310,7 @@
     </p:spTree>
     <p:extLst>
       <p:ext uri="{BB962C8B-B14F-4D97-AF65-F5344CB8AC3E}">
-        <p14:creationId xmlns="" xmlns:p14="http://schemas.microsoft.com/office/powerpoint/2010/main" val="3391118890"/>
+        <p14:creationId xmlns:p14="http://schemas.microsoft.com/office/powerpoint/2010/main" xmlns="" val="3391118890"/>
       </p:ext>
     </p:extLst>
   </p:cSld>
@@ -2400,7 +2400,7 @@
     </p:spTree>
     <p:extLst>
       <p:ext uri="{BB962C8B-B14F-4D97-AF65-F5344CB8AC3E}">
-        <p14:creationId xmlns="" xmlns:p14="http://schemas.microsoft.com/office/powerpoint/2010/main" val="3391118890"/>
+        <p14:creationId xmlns:p14="http://schemas.microsoft.com/office/powerpoint/2010/main" xmlns="" val="3391118890"/>
       </p:ext>
     </p:extLst>
   </p:cSld>
@@ -2490,7 +2490,7 @@
     </p:spTree>
     <p:extLst>
       <p:ext uri="{BB962C8B-B14F-4D97-AF65-F5344CB8AC3E}">
-        <p14:creationId xmlns="" xmlns:p14="http://schemas.microsoft.com/office/powerpoint/2010/main" val="3391118890"/>
+        <p14:creationId xmlns:p14="http://schemas.microsoft.com/office/powerpoint/2010/main" xmlns="" val="3391118890"/>
       </p:ext>
     </p:extLst>
   </p:cSld>
@@ -2580,7 +2580,7 @@
     </p:spTree>
     <p:extLst>
       <p:ext uri="{BB962C8B-B14F-4D97-AF65-F5344CB8AC3E}">
-        <p14:creationId xmlns="" xmlns:p14="http://schemas.microsoft.com/office/powerpoint/2010/main" val="3391118890"/>
+        <p14:creationId xmlns:p14="http://schemas.microsoft.com/office/powerpoint/2010/main" xmlns="" val="3391118890"/>
       </p:ext>
     </p:extLst>
   </p:cSld>
@@ -2670,7 +2670,7 @@
     </p:spTree>
     <p:extLst>
       <p:ext uri="{BB962C8B-B14F-4D97-AF65-F5344CB8AC3E}">
-        <p14:creationId xmlns="" xmlns:p14="http://schemas.microsoft.com/office/powerpoint/2010/main" val="3391118890"/>
+        <p14:creationId xmlns:p14="http://schemas.microsoft.com/office/powerpoint/2010/main" xmlns="" val="3391118890"/>
       </p:ext>
     </p:extLst>
   </p:cSld>
@@ -2760,7 +2760,7 @@
     </p:spTree>
     <p:extLst>
       <p:ext uri="{BB962C8B-B14F-4D97-AF65-F5344CB8AC3E}">
-        <p14:creationId xmlns="" xmlns:p14="http://schemas.microsoft.com/office/powerpoint/2010/main" val="3391118890"/>
+        <p14:creationId xmlns:p14="http://schemas.microsoft.com/office/powerpoint/2010/main" xmlns="" val="3391118890"/>
       </p:ext>
     </p:extLst>
   </p:cSld>
@@ -2864,7 +2864,7 @@
     </p:spTree>
     <p:extLst>
       <p:ext uri="{BB962C8B-B14F-4D97-AF65-F5344CB8AC3E}">
-        <p14:creationId xmlns="" xmlns:p14="http://schemas.microsoft.com/office/powerpoint/2010/main" val="1883621822"/>
+        <p14:creationId xmlns:p14="http://schemas.microsoft.com/office/powerpoint/2010/main" xmlns="" val="1883621822"/>
       </p:ext>
     </p:extLst>
   </p:cSld>
@@ -3131,7 +3131,7 @@
     </p:spTree>
     <p:extLst>
       <p:ext uri="{BB962C8B-B14F-4D97-AF65-F5344CB8AC3E}">
-        <p14:creationId xmlns="" xmlns:p14="http://schemas.microsoft.com/office/powerpoint/2010/main" val="1252619507"/>
+        <p14:creationId xmlns:p14="http://schemas.microsoft.com/office/powerpoint/2010/main" xmlns="" val="1252619507"/>
       </p:ext>
     </p:extLst>
   </p:cSld>
@@ -3148,7 +3148,7 @@
   <p:hf hdr="0" ftr="0" dt="0"/>
   <p:extLst mod="1">
     <p:ext uri="{DCECCB84-F9BA-43D5-87BE-67443E8EF086}">
-      <p15:sldGuideLst xmlns="" xmlns:p15="http://schemas.microsoft.com/office/powerpoint/2012/main"/>
+      <p15:sldGuideLst xmlns:p15="http://schemas.microsoft.com/office/powerpoint/2012/main" xmlns=""/>
     </p:ext>
   </p:extLst>
 </p:sldLayout>
@@ -3233,7 +3233,7 @@
     </p:spTree>
     <p:extLst>
       <p:ext uri="{BB962C8B-B14F-4D97-AF65-F5344CB8AC3E}">
-        <p14:creationId xmlns="" xmlns:p14="http://schemas.microsoft.com/office/powerpoint/2010/main" val="666325221"/>
+        <p14:creationId xmlns:p14="http://schemas.microsoft.com/office/powerpoint/2010/main" xmlns="" val="666325221"/>
       </p:ext>
     </p:extLst>
   </p:cSld>
@@ -3371,7 +3371,7 @@
     </p:spTree>
     <p:extLst>
       <p:ext uri="{BB962C8B-B14F-4D97-AF65-F5344CB8AC3E}">
-        <p14:creationId xmlns="" xmlns:p14="http://schemas.microsoft.com/office/powerpoint/2010/main" val="460504319"/>
+        <p14:creationId xmlns:p14="http://schemas.microsoft.com/office/powerpoint/2010/main" xmlns="" val="460504319"/>
       </p:ext>
     </p:extLst>
   </p:cSld>
@@ -3434,7 +3434,7 @@
               <a:pPr>
                 <a:defRPr/>
               </a:pPr>
-              <a:t>2018年5月4日10时30分</a:t>
+              <a:t>2018年5月7日1时44分</a:t>
             </a:fld>
             <a:endParaRPr lang="en-US" altLang="zh-CN" dirty="0"/>
           </a:p>
@@ -3515,7 +3515,7 @@
     </p:spTree>
     <p:extLst>
       <p:ext uri="{BB962C8B-B14F-4D97-AF65-F5344CB8AC3E}">
-        <p14:creationId xmlns="" xmlns:p14="http://schemas.microsoft.com/office/powerpoint/2010/main" val="3466499121"/>
+        <p14:creationId xmlns:p14="http://schemas.microsoft.com/office/powerpoint/2010/main" xmlns="" val="3466499121"/>
       </p:ext>
     </p:extLst>
   </p:cSld>
@@ -3610,7 +3610,7 @@
     </p:spTree>
     <p:extLst>
       <p:ext uri="{BB962C8B-B14F-4D97-AF65-F5344CB8AC3E}">
-        <p14:creationId xmlns="" xmlns:p14="http://schemas.microsoft.com/office/powerpoint/2010/main" val="3910329880"/>
+        <p14:creationId xmlns:p14="http://schemas.microsoft.com/office/powerpoint/2010/main" xmlns="" val="3910329880"/>
       </p:ext>
     </p:extLst>
   </p:cSld>
@@ -3936,7 +3936,7 @@
   </p:txStyles>
   <p:extLst mod="1">
     <p:ext uri="{27BBF7A9-308A-43DC-89C8-2F10F3537804}">
-      <p15:sldGuideLst xmlns="" xmlns:p15="http://schemas.microsoft.com/office/powerpoint/2012/main"/>
+      <p15:sldGuideLst xmlns:p15="http://schemas.microsoft.com/office/powerpoint/2012/main" xmlns=""/>
     </p:ext>
   </p:extLst>
 </p:sldMaster>
@@ -3983,23 +3983,7 @@
           <a:p>
             <a:r>
               <a:rPr lang="zh-CN" altLang="en-US" sz="1400" dirty="0" smtClean="0"/>
-              <a:t>主讲人</a:t>
-            </a:r>
-            <a:r>
-              <a:rPr lang="zh-CN" altLang="en-US" sz="1400" dirty="0" smtClean="0"/>
-              <a:t>：</a:t>
-            </a:r>
-            <a:r>
-              <a:rPr lang="zh-CN" altLang="en-US" sz="1400" dirty="0" smtClean="0"/>
-              <a:t>黎明胜</a:t>
-            </a:r>
-            <a:r>
-              <a:rPr lang="zh-CN" altLang="en-US" sz="1400" dirty="0" smtClean="0"/>
-              <a:t>   </a:t>
-            </a:r>
-            <a:r>
-              <a:rPr lang="zh-CN" altLang="en-US" sz="1400" dirty="0" smtClean="0"/>
-              <a:t>时间：</a:t>
+              <a:t>主讲人：黎明胜   时间：</a:t>
             </a:r>
             <a:r>
               <a:rPr lang="en-US" altLang="zh-CN" sz="1400" smtClean="0"/>
@@ -4049,7 +4033,7 @@
     <a:masterClrMapping/>
   </p:clrMapOvr>
   <mc:AlternateContent xmlns:mc="http://schemas.openxmlformats.org/markup-compatibility/2006">
-    <mc:Choice xmlns="" xmlns:p14="http://schemas.microsoft.com/office/powerpoint/2010/main" Requires="p14">
+    <mc:Choice xmlns:p14="http://schemas.microsoft.com/office/powerpoint/2010/main" xmlns="" Requires="p14">
       <p:transition p14:dur="0"/>
     </mc:Choice>
     <mc:Fallback>
@@ -4172,7 +4156,7 @@
     </p:spTree>
     <p:extLst>
       <p:ext uri="{BB962C8B-B14F-4D97-AF65-F5344CB8AC3E}">
-        <p14:creationId xmlns="" xmlns:p14="http://schemas.microsoft.com/office/powerpoint/2010/main" val="2379003471"/>
+        <p14:creationId xmlns:p14="http://schemas.microsoft.com/office/powerpoint/2010/main" xmlns="" val="2379003471"/>
       </p:ext>
     </p:extLst>
   </p:cSld>
@@ -4180,7 +4164,7 @@
     <a:masterClrMapping/>
   </p:clrMapOvr>
   <mc:AlternateContent xmlns:mc="http://schemas.openxmlformats.org/markup-compatibility/2006">
-    <mc:Choice xmlns="" xmlns:p14="http://schemas.microsoft.com/office/powerpoint/2010/main" Requires="p14">
+    <mc:Choice xmlns:p14="http://schemas.microsoft.com/office/powerpoint/2010/main" xmlns="" Requires="p14">
       <p:transition spd="slow" p14:dur="2000"/>
     </mc:Choice>
     <mc:Fallback>
@@ -4303,7 +4287,7 @@
     </p:spTree>
     <p:extLst>
       <p:ext uri="{BB962C8B-B14F-4D97-AF65-F5344CB8AC3E}">
-        <p14:creationId xmlns="" xmlns:p14="http://schemas.microsoft.com/office/powerpoint/2010/main" val="2379003471"/>
+        <p14:creationId xmlns:p14="http://schemas.microsoft.com/office/powerpoint/2010/main" xmlns="" val="2379003471"/>
       </p:ext>
     </p:extLst>
   </p:cSld>
@@ -4311,7 +4295,7 @@
     <a:masterClrMapping/>
   </p:clrMapOvr>
   <mc:AlternateContent xmlns:mc="http://schemas.openxmlformats.org/markup-compatibility/2006">
-    <mc:Choice xmlns="" xmlns:p14="http://schemas.microsoft.com/office/powerpoint/2010/main" Requires="p14">
+    <mc:Choice xmlns:p14="http://schemas.microsoft.com/office/powerpoint/2010/main" xmlns="" Requires="p14">
       <p:transition spd="slow" p14:dur="2000"/>
     </mc:Choice>
     <mc:Fallback>
@@ -4434,7 +4418,7 @@
     </p:spTree>
     <p:extLst>
       <p:ext uri="{BB962C8B-B14F-4D97-AF65-F5344CB8AC3E}">
-        <p14:creationId xmlns="" xmlns:p14="http://schemas.microsoft.com/office/powerpoint/2010/main" val="2379003471"/>
+        <p14:creationId xmlns:p14="http://schemas.microsoft.com/office/powerpoint/2010/main" xmlns="" val="2379003471"/>
       </p:ext>
     </p:extLst>
   </p:cSld>
@@ -4442,7 +4426,7 @@
     <a:masterClrMapping/>
   </p:clrMapOvr>
   <mc:AlternateContent xmlns:mc="http://schemas.openxmlformats.org/markup-compatibility/2006">
-    <mc:Choice xmlns="" xmlns:p14="http://schemas.microsoft.com/office/powerpoint/2010/main" Requires="p14">
+    <mc:Choice xmlns:p14="http://schemas.microsoft.com/office/powerpoint/2010/main" xmlns="" Requires="p14">
       <p:transition spd="slow" p14:dur="2000"/>
     </mc:Choice>
     <mc:Fallback>
@@ -4679,7 +4663,7 @@
     </p:spTree>
     <p:extLst>
       <p:ext uri="{BB962C8B-B14F-4D97-AF65-F5344CB8AC3E}">
-        <p14:creationId xmlns="" xmlns:p14="http://schemas.microsoft.com/office/powerpoint/2010/main" val="2379003471"/>
+        <p14:creationId xmlns:p14="http://schemas.microsoft.com/office/powerpoint/2010/main" xmlns="" val="2379003471"/>
       </p:ext>
     </p:extLst>
   </p:cSld>
@@ -4687,7 +4671,7 @@
     <a:masterClrMapping/>
   </p:clrMapOvr>
   <mc:AlternateContent xmlns:mc="http://schemas.openxmlformats.org/markup-compatibility/2006">
-    <mc:Choice xmlns="" xmlns:p14="http://schemas.microsoft.com/office/powerpoint/2010/main" Requires="p14">
+    <mc:Choice xmlns:p14="http://schemas.microsoft.com/office/powerpoint/2010/main" xmlns="" Requires="p14">
       <p:transition spd="slow" p14:dur="2000"/>
     </mc:Choice>
     <mc:Fallback>
@@ -4896,7 +4880,7 @@
     </p:spTree>
     <p:extLst>
       <p:ext uri="{BB962C8B-B14F-4D97-AF65-F5344CB8AC3E}">
-        <p14:creationId xmlns="" xmlns:p14="http://schemas.microsoft.com/office/powerpoint/2010/main" val="2379003471"/>
+        <p14:creationId xmlns:p14="http://schemas.microsoft.com/office/powerpoint/2010/main" xmlns="" val="2379003471"/>
       </p:ext>
     </p:extLst>
   </p:cSld>
@@ -4904,7 +4888,7 @@
     <a:masterClrMapping/>
   </p:clrMapOvr>
   <mc:AlternateContent xmlns:mc="http://schemas.openxmlformats.org/markup-compatibility/2006">
-    <mc:Choice xmlns="" xmlns:p14="http://schemas.microsoft.com/office/powerpoint/2010/main" Requires="p14">
+    <mc:Choice xmlns:p14="http://schemas.microsoft.com/office/powerpoint/2010/main" xmlns="" Requires="p14">
       <p:transition spd="slow" p14:dur="2000"/>
     </mc:Choice>
     <mc:Fallback>
@@ -5053,7 +5037,7 @@
     </p:spTree>
     <p:extLst>
       <p:ext uri="{BB962C8B-B14F-4D97-AF65-F5344CB8AC3E}">
-        <p14:creationId xmlns="" xmlns:p14="http://schemas.microsoft.com/office/powerpoint/2010/main" val="2379003471"/>
+        <p14:creationId xmlns:p14="http://schemas.microsoft.com/office/powerpoint/2010/main" xmlns="" val="2379003471"/>
       </p:ext>
     </p:extLst>
   </p:cSld>
@@ -5061,7 +5045,7 @@
     <a:masterClrMapping/>
   </p:clrMapOvr>
   <mc:AlternateContent xmlns:mc="http://schemas.openxmlformats.org/markup-compatibility/2006">
-    <mc:Choice xmlns="" xmlns:p14="http://schemas.microsoft.com/office/powerpoint/2010/main" Requires="p14">
+    <mc:Choice xmlns:p14="http://schemas.microsoft.com/office/powerpoint/2010/main" xmlns="" Requires="p14">
       <p:transition spd="slow" p14:dur="2000"/>
     </mc:Choice>
     <mc:Fallback>
@@ -5376,7 +5360,7 @@
     </p:spTree>
     <p:extLst>
       <p:ext uri="{BB962C8B-B14F-4D97-AF65-F5344CB8AC3E}">
-        <p14:creationId xmlns="" xmlns:p14="http://schemas.microsoft.com/office/powerpoint/2010/main" val="2379003471"/>
+        <p14:creationId xmlns:p14="http://schemas.microsoft.com/office/powerpoint/2010/main" xmlns="" val="2379003471"/>
       </p:ext>
     </p:extLst>
   </p:cSld>
@@ -5384,7 +5368,7 @@
     <a:masterClrMapping/>
   </p:clrMapOvr>
   <mc:AlternateContent xmlns:mc="http://schemas.openxmlformats.org/markup-compatibility/2006">
-    <mc:Choice xmlns="" xmlns:p14="http://schemas.microsoft.com/office/powerpoint/2010/main" Requires="p14">
+    <mc:Choice xmlns:p14="http://schemas.microsoft.com/office/powerpoint/2010/main" xmlns="" Requires="p14">
       <p:transition spd="slow" p14:dur="2000"/>
     </mc:Choice>
     <mc:Fallback>
@@ -5470,7 +5454,7 @@
     </p:spTree>
     <p:extLst>
       <p:ext uri="{BB962C8B-B14F-4D97-AF65-F5344CB8AC3E}">
-        <p14:creationId xmlns="" xmlns:p14="http://schemas.microsoft.com/office/powerpoint/2010/main" val="2379003471"/>
+        <p14:creationId xmlns:p14="http://schemas.microsoft.com/office/powerpoint/2010/main" xmlns="" val="2379003471"/>
       </p:ext>
     </p:extLst>
   </p:cSld>
@@ -5478,7 +5462,7 @@
     <a:masterClrMapping/>
   </p:clrMapOvr>
   <mc:AlternateContent xmlns:mc="http://schemas.openxmlformats.org/markup-compatibility/2006">
-    <mc:Choice xmlns="" xmlns:p14="http://schemas.microsoft.com/office/powerpoint/2010/main" Requires="p14">
+    <mc:Choice xmlns:p14="http://schemas.microsoft.com/office/powerpoint/2010/main" xmlns="" Requires="p14">
       <p:transition spd="slow" p14:dur="2000"/>
     </mc:Choice>
     <mc:Fallback>
@@ -5612,7 +5596,7 @@
     </p:spTree>
     <p:extLst>
       <p:ext uri="{BB962C8B-B14F-4D97-AF65-F5344CB8AC3E}">
-        <p14:creationId xmlns="" xmlns:p14="http://schemas.microsoft.com/office/powerpoint/2010/main" val="2379003471"/>
+        <p14:creationId xmlns:p14="http://schemas.microsoft.com/office/powerpoint/2010/main" xmlns="" val="2379003471"/>
       </p:ext>
     </p:extLst>
   </p:cSld>
@@ -5620,7 +5604,7 @@
     <a:masterClrMapping/>
   </p:clrMapOvr>
   <mc:AlternateContent xmlns:mc="http://schemas.openxmlformats.org/markup-compatibility/2006">
-    <mc:Choice xmlns="" xmlns:p14="http://schemas.microsoft.com/office/powerpoint/2010/main" Requires="p14">
+    <mc:Choice xmlns:p14="http://schemas.microsoft.com/office/powerpoint/2010/main" xmlns="" Requires="p14">
       <p:transition spd="slow" p14:dur="2000"/>
     </mc:Choice>
     <mc:Fallback>
@@ -5743,7 +5727,7 @@
     </p:spTree>
     <p:extLst>
       <p:ext uri="{BB962C8B-B14F-4D97-AF65-F5344CB8AC3E}">
-        <p14:creationId xmlns="" xmlns:p14="http://schemas.microsoft.com/office/powerpoint/2010/main" val="2379003471"/>
+        <p14:creationId xmlns:p14="http://schemas.microsoft.com/office/powerpoint/2010/main" xmlns="" val="2379003471"/>
       </p:ext>
     </p:extLst>
   </p:cSld>
@@ -5751,7 +5735,7 @@
     <a:masterClrMapping/>
   </p:clrMapOvr>
   <mc:AlternateContent xmlns:mc="http://schemas.openxmlformats.org/markup-compatibility/2006">
-    <mc:Choice xmlns="" xmlns:p14="http://schemas.microsoft.com/office/powerpoint/2010/main" Requires="p14">
+    <mc:Choice xmlns:p14="http://schemas.microsoft.com/office/powerpoint/2010/main" xmlns="" Requires="p14">
       <p:transition spd="slow" p14:dur="2000"/>
     </mc:Choice>
     <mc:Fallback>
@@ -5918,7 +5902,7 @@
                 </a:solidFill>
                 <a:latin typeface="+mn-ea"/>
               </a:rPr>
-              <a:t>原型</a:t>
+              <a:t>历史</a:t>
             </a:r>
             <a:endParaRPr lang="zh-CN" altLang="en-US" sz="2800" dirty="0">
               <a:solidFill>
@@ -6056,13 +6040,13 @@
           <a:p>
             <a:pPr algn="ctr"/>
             <a:r>
-              <a:rPr lang="zh-CN" altLang="en-US" sz="2800" dirty="0" smtClean="0">
+              <a:rPr lang="zh-CN" altLang="en-US" sz="2800" smtClean="0">
                 <a:solidFill>
                   <a:srgbClr val="FFFFFF"/>
                 </a:solidFill>
                 <a:latin typeface="+mn-ea"/>
               </a:rPr>
-              <a:t>原型链</a:t>
+              <a:t>常见特性</a:t>
             </a:r>
             <a:endParaRPr lang="zh-CN" altLang="en-US" sz="2800" dirty="0">
               <a:solidFill>
@@ -6426,7 +6410,7 @@
     </p:custDataLst>
     <p:extLst>
       <p:ext uri="{BB962C8B-B14F-4D97-AF65-F5344CB8AC3E}">
-        <p14:creationId xmlns="" xmlns:p14="http://schemas.microsoft.com/office/powerpoint/2010/main" val="4280748996"/>
+        <p14:creationId xmlns:p14="http://schemas.microsoft.com/office/powerpoint/2010/main" xmlns="" val="4280748996"/>
       </p:ext>
     </p:extLst>
   </p:cSld>
@@ -6549,7 +6533,7 @@
     </p:spTree>
     <p:extLst>
       <p:ext uri="{BB962C8B-B14F-4D97-AF65-F5344CB8AC3E}">
-        <p14:creationId xmlns="" xmlns:p14="http://schemas.microsoft.com/office/powerpoint/2010/main" val="2379003471"/>
+        <p14:creationId xmlns:p14="http://schemas.microsoft.com/office/powerpoint/2010/main" xmlns="" val="2379003471"/>
       </p:ext>
     </p:extLst>
   </p:cSld>
@@ -6557,7 +6541,7 @@
     <a:masterClrMapping/>
   </p:clrMapOvr>
   <mc:AlternateContent xmlns:mc="http://schemas.openxmlformats.org/markup-compatibility/2006">
-    <mc:Choice xmlns="" xmlns:p14="http://schemas.microsoft.com/office/powerpoint/2010/main" Requires="p14">
+    <mc:Choice xmlns:p14="http://schemas.microsoft.com/office/powerpoint/2010/main" xmlns="" Requires="p14">
       <p:transition spd="slow" p14:dur="2000"/>
     </mc:Choice>
     <mc:Fallback>
@@ -6680,7 +6664,7 @@
     </p:spTree>
     <p:extLst>
       <p:ext uri="{BB962C8B-B14F-4D97-AF65-F5344CB8AC3E}">
-        <p14:creationId xmlns="" xmlns:p14="http://schemas.microsoft.com/office/powerpoint/2010/main" val="2379003471"/>
+        <p14:creationId xmlns:p14="http://schemas.microsoft.com/office/powerpoint/2010/main" xmlns="" val="2379003471"/>
       </p:ext>
     </p:extLst>
   </p:cSld>
@@ -6688,7 +6672,7 @@
     <a:masterClrMapping/>
   </p:clrMapOvr>
   <mc:AlternateContent xmlns:mc="http://schemas.openxmlformats.org/markup-compatibility/2006">
-    <mc:Choice xmlns="" xmlns:p14="http://schemas.microsoft.com/office/powerpoint/2010/main" Requires="p14">
+    <mc:Choice xmlns:p14="http://schemas.microsoft.com/office/powerpoint/2010/main" xmlns="" Requires="p14">
       <p:transition spd="slow" p14:dur="2000"/>
     </mc:Choice>
     <mc:Fallback>
@@ -6789,7 +6773,7 @@
     </p:spTree>
     <p:extLst>
       <p:ext uri="{BB962C8B-B14F-4D97-AF65-F5344CB8AC3E}">
-        <p14:creationId xmlns="" xmlns:p14="http://schemas.microsoft.com/office/powerpoint/2010/main" val="1998931897"/>
+        <p14:creationId xmlns:p14="http://schemas.microsoft.com/office/powerpoint/2010/main" xmlns="" val="1998931897"/>
       </p:ext>
     </p:extLst>
   </p:cSld>
@@ -7000,7 +6984,7 @@
     </p:spTree>
     <p:extLst>
       <p:ext uri="{BB962C8B-B14F-4D97-AF65-F5344CB8AC3E}">
-        <p14:creationId xmlns="" xmlns:p14="http://schemas.microsoft.com/office/powerpoint/2010/main" val="2379003471"/>
+        <p14:creationId xmlns:p14="http://schemas.microsoft.com/office/powerpoint/2010/main" xmlns="" val="2379003471"/>
       </p:ext>
     </p:extLst>
   </p:cSld>
@@ -7008,7 +6992,7 @@
     <a:masterClrMapping/>
   </p:clrMapOvr>
   <mc:AlternateContent xmlns:mc="http://schemas.openxmlformats.org/markup-compatibility/2006">
-    <mc:Choice xmlns="" xmlns:p14="http://schemas.microsoft.com/office/powerpoint/2010/main" Requires="p14">
+    <mc:Choice xmlns:p14="http://schemas.microsoft.com/office/powerpoint/2010/main" xmlns="" Requires="p14">
       <p:transition spd="slow" p14:dur="2000"/>
     </mc:Choice>
     <mc:Fallback>
@@ -7216,7 +7200,7 @@
     </p:spTree>
     <p:extLst>
       <p:ext uri="{BB962C8B-B14F-4D97-AF65-F5344CB8AC3E}">
-        <p14:creationId xmlns="" xmlns:p14="http://schemas.microsoft.com/office/powerpoint/2010/main" val="2379003471"/>
+        <p14:creationId xmlns:p14="http://schemas.microsoft.com/office/powerpoint/2010/main" xmlns="" val="2379003471"/>
       </p:ext>
     </p:extLst>
   </p:cSld>
@@ -7224,7 +7208,7 @@
     <a:masterClrMapping/>
   </p:clrMapOvr>
   <mc:AlternateContent xmlns:mc="http://schemas.openxmlformats.org/markup-compatibility/2006">
-    <mc:Choice xmlns="" xmlns:p14="http://schemas.microsoft.com/office/powerpoint/2010/main" Requires="p14">
+    <mc:Choice xmlns:p14="http://schemas.microsoft.com/office/powerpoint/2010/main" xmlns="" Requires="p14">
       <p:transition spd="slow" p14:dur="2000"/>
     </mc:Choice>
     <mc:Fallback>
@@ -7486,7 +7470,7 @@
     </p:spTree>
     <p:extLst>
       <p:ext uri="{BB962C8B-B14F-4D97-AF65-F5344CB8AC3E}">
-        <p14:creationId xmlns="" xmlns:p14="http://schemas.microsoft.com/office/powerpoint/2010/main" val="2379003471"/>
+        <p14:creationId xmlns:p14="http://schemas.microsoft.com/office/powerpoint/2010/main" xmlns="" val="2379003471"/>
       </p:ext>
     </p:extLst>
   </p:cSld>
@@ -7494,7 +7478,7 @@
     <a:masterClrMapping/>
   </p:clrMapOvr>
   <mc:AlternateContent xmlns:mc="http://schemas.openxmlformats.org/markup-compatibility/2006">
-    <mc:Choice xmlns="" xmlns:p14="http://schemas.microsoft.com/office/powerpoint/2010/main" Requires="p14">
+    <mc:Choice xmlns:p14="http://schemas.microsoft.com/office/powerpoint/2010/main" xmlns="" Requires="p14">
       <p:transition spd="slow" p14:dur="2000"/>
     </mc:Choice>
     <mc:Fallback>
@@ -7617,7 +7601,7 @@
     </p:spTree>
     <p:extLst>
       <p:ext uri="{BB962C8B-B14F-4D97-AF65-F5344CB8AC3E}">
-        <p14:creationId xmlns="" xmlns:p14="http://schemas.microsoft.com/office/powerpoint/2010/main" val="2379003471"/>
+        <p14:creationId xmlns:p14="http://schemas.microsoft.com/office/powerpoint/2010/main" xmlns="" val="2379003471"/>
       </p:ext>
     </p:extLst>
   </p:cSld>
@@ -7625,7 +7609,7 @@
     <a:masterClrMapping/>
   </p:clrMapOvr>
   <mc:AlternateContent xmlns:mc="http://schemas.openxmlformats.org/markup-compatibility/2006">
-    <mc:Choice xmlns="" xmlns:p14="http://schemas.microsoft.com/office/powerpoint/2010/main" Requires="p14">
+    <mc:Choice xmlns:p14="http://schemas.microsoft.com/office/powerpoint/2010/main" xmlns="" Requires="p14">
       <p:transition spd="slow" p14:dur="2000"/>
     </mc:Choice>
     <mc:Fallback>
@@ -7748,7 +7732,7 @@
     </p:spTree>
     <p:extLst>
       <p:ext uri="{BB962C8B-B14F-4D97-AF65-F5344CB8AC3E}">
-        <p14:creationId xmlns="" xmlns:p14="http://schemas.microsoft.com/office/powerpoint/2010/main" val="2379003471"/>
+        <p14:creationId xmlns:p14="http://schemas.microsoft.com/office/powerpoint/2010/main" xmlns="" val="2379003471"/>
       </p:ext>
     </p:extLst>
   </p:cSld>
@@ -7756,7 +7740,7 @@
     <a:masterClrMapping/>
   </p:clrMapOvr>
   <mc:AlternateContent xmlns:mc="http://schemas.openxmlformats.org/markup-compatibility/2006">
-    <mc:Choice xmlns="" xmlns:p14="http://schemas.microsoft.com/office/powerpoint/2010/main" Requires="p14">
+    <mc:Choice xmlns:p14="http://schemas.microsoft.com/office/powerpoint/2010/main" xmlns="" Requires="p14">
       <p:transition spd="slow" p14:dur="2000"/>
     </mc:Choice>
     <mc:Fallback>
@@ -7930,7 +7914,7 @@
     </p:spTree>
     <p:extLst>
       <p:ext uri="{BB962C8B-B14F-4D97-AF65-F5344CB8AC3E}">
-        <p14:creationId xmlns="" xmlns:p14="http://schemas.microsoft.com/office/powerpoint/2010/main" val="2379003471"/>
+        <p14:creationId xmlns:p14="http://schemas.microsoft.com/office/powerpoint/2010/main" xmlns="" val="2379003471"/>
       </p:ext>
     </p:extLst>
   </p:cSld>
@@ -7938,7 +7922,7 @@
     <a:masterClrMapping/>
   </p:clrMapOvr>
   <mc:AlternateContent xmlns:mc="http://schemas.openxmlformats.org/markup-compatibility/2006">
-    <mc:Choice xmlns="" xmlns:p14="http://schemas.microsoft.com/office/powerpoint/2010/main" Requires="p14">
+    <mc:Choice xmlns:p14="http://schemas.microsoft.com/office/powerpoint/2010/main" xmlns="" Requires="p14">
       <p:transition spd="slow" p14:dur="2000"/>
     </mc:Choice>
     <mc:Fallback>
@@ -8186,7 +8170,7 @@
     </p:spTree>
     <p:extLst>
       <p:ext uri="{BB962C8B-B14F-4D97-AF65-F5344CB8AC3E}">
-        <p14:creationId xmlns="" xmlns:p14="http://schemas.microsoft.com/office/powerpoint/2010/main" val="2379003471"/>
+        <p14:creationId xmlns:p14="http://schemas.microsoft.com/office/powerpoint/2010/main" xmlns="" val="2379003471"/>
       </p:ext>
     </p:extLst>
   </p:cSld>
@@ -8194,7 +8178,7 @@
     <a:masterClrMapping/>
   </p:clrMapOvr>
   <mc:AlternateContent xmlns:mc="http://schemas.openxmlformats.org/markup-compatibility/2006">
-    <mc:Choice xmlns="" xmlns:p14="http://schemas.microsoft.com/office/powerpoint/2010/main" Requires="p14">
+    <mc:Choice xmlns:p14="http://schemas.microsoft.com/office/powerpoint/2010/main" xmlns="" Requires="p14">
       <p:transition spd="slow" p14:dur="2000"/>
     </mc:Choice>
     <mc:Fallback>
@@ -8568,7 +8552,7 @@
   <a:extraClrSchemeLst/>
   <a:extLst>
     <a:ext uri="{05A4C25C-085E-4340-85A3-A5531E510DB2}">
-      <thm15:themeFamily xmlns="" xmlns:thm15="http://schemas.microsoft.com/office/thememl/2012/main" name="Office Theme" id="{62F939B6-93AF-4DB8-9C6B-D6C7DFDC589F}" vid="{4A3C46E8-61CC-4603-A589-7422A47A8E4A}"/>
+      <thm15:themeFamily xmlns:thm15="http://schemas.microsoft.com/office/thememl/2012/main" xmlns="" name="Office Theme" id="{62F939B6-93AF-4DB8-9C6B-D6C7DFDC589F}" vid="{4A3C46E8-61CC-4603-A589-7422A47A8E4A}"/>
     </a:ext>
   </a:extLst>
 </a:theme>
